--- a/课程项目展示.pptx
+++ b/课程项目展示.pptx
@@ -4558,6 +4558,13 @@
   <p:clrMapOvr>
     <a:masterClrMapping/>
   </p:clrMapOvr>
+  <p:timing>
+    <p:tnLst>
+      <p:par>
+        <p:cTn id="1" dur="indefinite" restart="never" nodeType="tmRoot"/>
+      </p:par>
+    </p:tnLst>
+  </p:timing>
 </p:sld>
 </file>
 
@@ -4620,7 +4627,7 @@
         </p:blipFill>
         <p:spPr>
           <a:xfrm>
-            <a:off x="1078029" y="1511167"/>
+            <a:off x="1304648" y="1864194"/>
             <a:ext cx="4947386" cy="4572000"/>
           </a:xfrm>
         </p:spPr>
@@ -4654,6 +4661,13 @@
   <p:clrMapOvr>
     <a:masterClrMapping/>
   </p:clrMapOvr>
+  <p:timing>
+    <p:tnLst>
+      <p:par>
+        <p:cTn id="1" dur="indefinite" restart="never" nodeType="tmRoot"/>
+      </p:par>
+    </p:tnLst>
+  </p:timing>
 </p:sld>
 </file>
 
@@ -4752,6 +4766,13 @@
   <p:clrMapOvr>
     <a:masterClrMapping/>
   </p:clrMapOvr>
+  <p:timing>
+    <p:tnLst>
+      <p:par>
+        <p:cTn id="1" dur="indefinite" restart="never" nodeType="tmRoot"/>
+      </p:par>
+    </p:tnLst>
+  </p:timing>
 </p:sld>
 </file>
 
@@ -5013,6 +5034,13 @@
   <p:clrMapOvr>
     <a:masterClrMapping/>
   </p:clrMapOvr>
+  <p:timing>
+    <p:tnLst>
+      <p:par>
+        <p:cTn id="1" dur="indefinite" restart="never" nodeType="tmRoot"/>
+      </p:par>
+    </p:tnLst>
+  </p:timing>
 </p:sld>
 </file>
 
